--- a/CUSTOMER SEGMENTATION PROJECT.pptx
+++ b/CUSTOMER SEGMENTATION PROJECT.pptx
@@ -2988,7 +2988,9 @@
         </p:nvSpPr>
         <p:spPr/>
         <p:txBody>
-          <a:bodyPr/>
+          <a:bodyPr>
+            <a:normAutofit lnSpcReduction="10000"/>
+          </a:bodyPr>
           <a:lstStyle/>
           <a:p>
             <a:r>
@@ -3000,11 +3002,13 @@
             <a:endParaRPr lang="en-GB" dirty="0"/>
           </a:p>
           <a:p>
-            <a:r>
-              <a:rPr lang="en-GB" sz="4400" dirty="0"/>
-              <a:t>GROUP 1.</a:t>
-            </a:r>
-            <a:endParaRPr lang="en-US" sz="4400" dirty="0"/>
+            <a:endParaRPr lang="en-GB" dirty="0"/>
+          </a:p>
+          <a:p>
+            <a:r>
+              <a:rPr lang="en-GB" dirty="0"/>
+              <a:t>NDIBE IFEOMA M</a:t>
+            </a:r>
           </a:p>
         </p:txBody>
       </p:sp>
